--- a/slides/Week12.pptx
+++ b/slides/Week12.pptx
@@ -220,7 +220,7 @@
           <a:p>
             <a:fld id="{4000F439-A81D-E943-83DB-582313603C59}" type="datetimeFigureOut">
               <a:rPr lang="en-US" smtClean="0"/>
-              <a:t>4/3/23</a:t>
+              <a:t>4/4/23</a:t>
             </a:fld>
             <a:endParaRPr lang="en-US"/>
           </a:p>
@@ -702,7 +702,7 @@
           <a:p>
             <a:fld id="{39FEF1FD-B606-AC4E-8E5B-6AA93BFCC369}" type="datetimeFigureOut">
               <a:rPr lang="en-US" smtClean="0"/>
-              <a:t>4/3/23</a:t>
+              <a:t>4/4/23</a:t>
             </a:fld>
             <a:endParaRPr lang="en-US"/>
           </a:p>
@@ -872,7 +872,7 @@
           <a:p>
             <a:fld id="{39FEF1FD-B606-AC4E-8E5B-6AA93BFCC369}" type="datetimeFigureOut">
               <a:rPr lang="en-US" smtClean="0"/>
-              <a:t>4/3/23</a:t>
+              <a:t>4/4/23</a:t>
             </a:fld>
             <a:endParaRPr lang="en-US"/>
           </a:p>
@@ -1052,7 +1052,7 @@
           <a:p>
             <a:fld id="{39FEF1FD-B606-AC4E-8E5B-6AA93BFCC369}" type="datetimeFigureOut">
               <a:rPr lang="en-US" smtClean="0"/>
-              <a:t>4/3/23</a:t>
+              <a:t>4/4/23</a:t>
             </a:fld>
             <a:endParaRPr lang="en-US"/>
           </a:p>
@@ -1222,7 +1222,7 @@
           <a:p>
             <a:fld id="{39FEF1FD-B606-AC4E-8E5B-6AA93BFCC369}" type="datetimeFigureOut">
               <a:rPr lang="en-US" smtClean="0"/>
-              <a:t>4/3/23</a:t>
+              <a:t>4/4/23</a:t>
             </a:fld>
             <a:endParaRPr lang="en-US"/>
           </a:p>
@@ -1466,7 +1466,7 @@
           <a:p>
             <a:fld id="{39FEF1FD-B606-AC4E-8E5B-6AA93BFCC369}" type="datetimeFigureOut">
               <a:rPr lang="en-US" smtClean="0"/>
-              <a:t>4/3/23</a:t>
+              <a:t>4/4/23</a:t>
             </a:fld>
             <a:endParaRPr lang="en-US"/>
           </a:p>
@@ -1698,7 +1698,7 @@
           <a:p>
             <a:fld id="{39FEF1FD-B606-AC4E-8E5B-6AA93BFCC369}" type="datetimeFigureOut">
               <a:rPr lang="en-US" smtClean="0"/>
-              <a:t>4/3/23</a:t>
+              <a:t>4/4/23</a:t>
             </a:fld>
             <a:endParaRPr lang="en-US"/>
           </a:p>
@@ -2065,7 +2065,7 @@
           <a:p>
             <a:fld id="{39FEF1FD-B606-AC4E-8E5B-6AA93BFCC369}" type="datetimeFigureOut">
               <a:rPr lang="en-US" smtClean="0"/>
-              <a:t>4/3/23</a:t>
+              <a:t>4/4/23</a:t>
             </a:fld>
             <a:endParaRPr lang="en-US"/>
           </a:p>
@@ -2183,7 +2183,7 @@
           <a:p>
             <a:fld id="{39FEF1FD-B606-AC4E-8E5B-6AA93BFCC369}" type="datetimeFigureOut">
               <a:rPr lang="en-US" smtClean="0"/>
-              <a:t>4/3/23</a:t>
+              <a:t>4/4/23</a:t>
             </a:fld>
             <a:endParaRPr lang="en-US"/>
           </a:p>
@@ -2278,7 +2278,7 @@
           <a:p>
             <a:fld id="{39FEF1FD-B606-AC4E-8E5B-6AA93BFCC369}" type="datetimeFigureOut">
               <a:rPr lang="en-US" smtClean="0"/>
-              <a:t>4/3/23</a:t>
+              <a:t>4/4/23</a:t>
             </a:fld>
             <a:endParaRPr lang="en-US"/>
           </a:p>
@@ -2555,7 +2555,7 @@
           <a:p>
             <a:fld id="{39FEF1FD-B606-AC4E-8E5B-6AA93BFCC369}" type="datetimeFigureOut">
               <a:rPr lang="en-US" smtClean="0"/>
-              <a:t>4/3/23</a:t>
+              <a:t>4/4/23</a:t>
             </a:fld>
             <a:endParaRPr lang="en-US"/>
           </a:p>
@@ -2812,7 +2812,7 @@
           <a:p>
             <a:fld id="{39FEF1FD-B606-AC4E-8E5B-6AA93BFCC369}" type="datetimeFigureOut">
               <a:rPr lang="en-US" smtClean="0"/>
-              <a:t>4/3/23</a:t>
+              <a:t>4/4/23</a:t>
             </a:fld>
             <a:endParaRPr lang="en-US"/>
           </a:p>
@@ -3025,7 +3025,7 @@
           <a:p>
             <a:fld id="{39FEF1FD-B606-AC4E-8E5B-6AA93BFCC369}" type="datetimeFigureOut">
               <a:rPr lang="en-US" smtClean="0"/>
-              <a:t>4/3/23</a:t>
+              <a:t>4/4/23</a:t>
             </a:fld>
             <a:endParaRPr lang="en-US"/>
           </a:p>
@@ -8652,8 +8652,8 @@
         </p:nvSpPr>
         <p:spPr>
           <a:xfrm>
-            <a:off x="763571" y="1973404"/>
-            <a:ext cx="3989140" cy="923330"/>
+            <a:off x="318499" y="1973404"/>
+            <a:ext cx="4434212" cy="923330"/>
           </a:xfrm>
           <a:prstGeom prst="rect">
             <a:avLst/>
@@ -8668,13 +8668,13 @@
           <a:p>
             <a:r>
               <a:rPr lang="en-US" dirty="0"/>
-              <a:t>C: circulation rate</a:t>
+              <a:t>C: circulation rate (thermohaline circulation)</a:t>
             </a:r>
           </a:p>
           <a:p>
             <a:r>
               <a:rPr lang="en-US" dirty="0"/>
-              <a:t>M: mixing rate</a:t>
+              <a:t>M: mixing rate (deep convection)</a:t>
             </a:r>
           </a:p>
           <a:p>

--- a/slides/Week12.pptx
+++ b/slides/Week12.pptx
@@ -220,7 +220,7 @@
           <a:p>
             <a:fld id="{4000F439-A81D-E943-83DB-582313603C59}" type="datetimeFigureOut">
               <a:rPr lang="en-US" smtClean="0"/>
-              <a:t>4/4/23</a:t>
+              <a:t>4/6/23</a:t>
             </a:fld>
             <a:endParaRPr lang="en-US"/>
           </a:p>
@@ -702,7 +702,7 @@
           <a:p>
             <a:fld id="{39FEF1FD-B606-AC4E-8E5B-6AA93BFCC369}" type="datetimeFigureOut">
               <a:rPr lang="en-US" smtClean="0"/>
-              <a:t>4/4/23</a:t>
+              <a:t>4/6/23</a:t>
             </a:fld>
             <a:endParaRPr lang="en-US"/>
           </a:p>
@@ -872,7 +872,7 @@
           <a:p>
             <a:fld id="{39FEF1FD-B606-AC4E-8E5B-6AA93BFCC369}" type="datetimeFigureOut">
               <a:rPr lang="en-US" smtClean="0"/>
-              <a:t>4/4/23</a:t>
+              <a:t>4/6/23</a:t>
             </a:fld>
             <a:endParaRPr lang="en-US"/>
           </a:p>
@@ -1052,7 +1052,7 @@
           <a:p>
             <a:fld id="{39FEF1FD-B606-AC4E-8E5B-6AA93BFCC369}" type="datetimeFigureOut">
               <a:rPr lang="en-US" smtClean="0"/>
-              <a:t>4/4/23</a:t>
+              <a:t>4/6/23</a:t>
             </a:fld>
             <a:endParaRPr lang="en-US"/>
           </a:p>
@@ -1222,7 +1222,7 @@
           <a:p>
             <a:fld id="{39FEF1FD-B606-AC4E-8E5B-6AA93BFCC369}" type="datetimeFigureOut">
               <a:rPr lang="en-US" smtClean="0"/>
-              <a:t>4/4/23</a:t>
+              <a:t>4/6/23</a:t>
             </a:fld>
             <a:endParaRPr lang="en-US"/>
           </a:p>
@@ -1466,7 +1466,7 @@
           <a:p>
             <a:fld id="{39FEF1FD-B606-AC4E-8E5B-6AA93BFCC369}" type="datetimeFigureOut">
               <a:rPr lang="en-US" smtClean="0"/>
-              <a:t>4/4/23</a:t>
+              <a:t>4/6/23</a:t>
             </a:fld>
             <a:endParaRPr lang="en-US"/>
           </a:p>
@@ -1698,7 +1698,7 @@
           <a:p>
             <a:fld id="{39FEF1FD-B606-AC4E-8E5B-6AA93BFCC369}" type="datetimeFigureOut">
               <a:rPr lang="en-US" smtClean="0"/>
-              <a:t>4/4/23</a:t>
+              <a:t>4/6/23</a:t>
             </a:fld>
             <a:endParaRPr lang="en-US"/>
           </a:p>
@@ -2065,7 +2065,7 @@
           <a:p>
             <a:fld id="{39FEF1FD-B606-AC4E-8E5B-6AA93BFCC369}" type="datetimeFigureOut">
               <a:rPr lang="en-US" smtClean="0"/>
-              <a:t>4/4/23</a:t>
+              <a:t>4/6/23</a:t>
             </a:fld>
             <a:endParaRPr lang="en-US"/>
           </a:p>
@@ -2183,7 +2183,7 @@
           <a:p>
             <a:fld id="{39FEF1FD-B606-AC4E-8E5B-6AA93BFCC369}" type="datetimeFigureOut">
               <a:rPr lang="en-US" smtClean="0"/>
-              <a:t>4/4/23</a:t>
+              <a:t>4/6/23</a:t>
             </a:fld>
             <a:endParaRPr lang="en-US"/>
           </a:p>
@@ -2278,7 +2278,7 @@
           <a:p>
             <a:fld id="{39FEF1FD-B606-AC4E-8E5B-6AA93BFCC369}" type="datetimeFigureOut">
               <a:rPr lang="en-US" smtClean="0"/>
-              <a:t>4/4/23</a:t>
+              <a:t>4/6/23</a:t>
             </a:fld>
             <a:endParaRPr lang="en-US"/>
           </a:p>
@@ -2555,7 +2555,7 @@
           <a:p>
             <a:fld id="{39FEF1FD-B606-AC4E-8E5B-6AA93BFCC369}" type="datetimeFigureOut">
               <a:rPr lang="en-US" smtClean="0"/>
-              <a:t>4/4/23</a:t>
+              <a:t>4/6/23</a:t>
             </a:fld>
             <a:endParaRPr lang="en-US"/>
           </a:p>
@@ -2812,7 +2812,7 @@
           <a:p>
             <a:fld id="{39FEF1FD-B606-AC4E-8E5B-6AA93BFCC369}" type="datetimeFigureOut">
               <a:rPr lang="en-US" smtClean="0"/>
-              <a:t>4/4/23</a:t>
+              <a:t>4/6/23</a:t>
             </a:fld>
             <a:endParaRPr lang="en-US"/>
           </a:p>
@@ -3025,7 +3025,7 @@
           <a:p>
             <a:fld id="{39FEF1FD-B606-AC4E-8E5B-6AA93BFCC369}" type="datetimeFigureOut">
               <a:rPr lang="en-US" smtClean="0"/>
-              <a:t>4/4/23</a:t>
+              <a:t>4/6/23</a:t>
             </a:fld>
             <a:endParaRPr lang="en-US"/>
           </a:p>
@@ -5384,8 +5384,8 @@
           </p:sp>
         </mc:Fallback>
       </mc:AlternateContent>
-      <mc:AlternateContent xmlns:mc="http://schemas.openxmlformats.org/markup-compatibility/2006" xmlns:a14="http://schemas.microsoft.com/office/drawing/2010/main">
-        <mc:Choice Requires="a14">
+      <mc:AlternateContent xmlns:mc="http://schemas.openxmlformats.org/markup-compatibility/2006">
+        <mc:Choice xmlns:a14="http://schemas.microsoft.com/office/drawing/2010/main" Requires="a14">
           <p:sp>
             <p:nvSpPr>
               <p:cNvPr id="5" name="Content Placeholder 2">
@@ -6425,10 +6425,52 @@
               <a:p>
                 <a:endParaRPr lang="en-US" sz="2000" dirty="0"/>
               </a:p>
+              <a:p>
+                <a:r>
+                  <a:rPr lang="en-US" sz="2000" dirty="0"/>
+                  <a:t>For multiple box model, each of the eigenvalues </a:t>
+                </a:r>
+                <a14:m>
+                  <m:oMath xmlns:m="http://schemas.openxmlformats.org/officeDocument/2006/math">
+                    <m:sSub>
+                      <m:sSubPr>
+                        <m:ctrlPr>
+                          <a:rPr lang="en-US" sz="2000" i="1" smtClean="0">
+                            <a:latin typeface="Cambria Math" panose="02040503050406030204" pitchFamily="18" charset="0"/>
+                            <a:ea typeface="Cambria Math" panose="02040503050406030204" pitchFamily="18" charset="0"/>
+                          </a:rPr>
+                        </m:ctrlPr>
+                      </m:sSubPr>
+                      <m:e>
+                        <m:r>
+                          <a:rPr lang="en-US" sz="2000" i="1">
+                            <a:latin typeface="Cambria Math" panose="02040503050406030204" pitchFamily="18" charset="0"/>
+                            <a:ea typeface="Cambria Math" panose="02040503050406030204" pitchFamily="18" charset="0"/>
+                          </a:rPr>
+                          <m:t>𝜆</m:t>
+                        </m:r>
+                      </m:e>
+                      <m:sub>
+                        <m:r>
+                          <a:rPr lang="en-US" sz="2000" b="0" i="1" smtClean="0">
+                            <a:latin typeface="Cambria Math" panose="02040503050406030204" pitchFamily="18" charset="0"/>
+                            <a:ea typeface="Cambria Math" panose="02040503050406030204" pitchFamily="18" charset="0"/>
+                          </a:rPr>
+                          <m:t>𝑖</m:t>
+                        </m:r>
+                      </m:sub>
+                    </m:sSub>
+                  </m:oMath>
+                </a14:m>
+                <a:r>
+                  <a:rPr lang="en-US" sz="2000" dirty="0"/>
+                  <a:t> should satisfy the stable criteria stated above</a:t>
+                </a:r>
+              </a:p>
             </p:txBody>
           </p:sp>
         </mc:Choice>
-        <mc:Fallback xmlns="">
+        <mc:Fallback>
           <p:sp>
             <p:nvSpPr>
               <p:cNvPr id="5" name="Content Placeholder 2">
